--- a/slides/module6.pptx
+++ b/slides/module6.pptx
@@ -118,10 +118,10 @@
   </p:defaultTextStyle>
   <p:extLst>
     <p:ext uri="{EFAFB233-063F-42B5-8137-9DF3F51BA10A}">
-      <p15:sldGuideLst xmlns:p15="http://schemas.microsoft.com/office/powerpoint/2012/main" xmlns=""/>
+      <p15:sldGuideLst xmlns="" xmlns:p15="http://schemas.microsoft.com/office/powerpoint/2012/main"/>
     </p:ext>
     <p:ext uri="{2D200454-40CA-4A62-9FC3-DE9A4176ACB9}">
-      <p15:notesGuideLst xmlns:p15="http://schemas.microsoft.com/office/powerpoint/2012/main" xmlns=""/>
+      <p15:notesGuideLst xmlns="" xmlns:p15="http://schemas.microsoft.com/office/powerpoint/2012/main"/>
     </p:ext>
   </p:extLst>
 </p:presentation>
@@ -1218,7 +1218,7 @@
   </p:timing>
   <p:extLst mod="1">
     <p:ext uri="{DCECCB84-F9BA-43D5-87BE-67443E8EF086}">
-      <p15:sldGuideLst xmlns:p15="http://schemas.microsoft.com/office/powerpoint/2012/main" xmlns="">
+      <p15:sldGuideLst xmlns="" xmlns:p15="http://schemas.microsoft.com/office/powerpoint/2012/main">
         <p15:guide id="1" orient="horz" pos="3792">
           <p15:clr>
             <a:srgbClr val="FBAE40"/>
@@ -1877,7 +1877,7 @@
   </p:timing>
   <p:extLst mod="1">
     <p:ext uri="{DCECCB84-F9BA-43D5-87BE-67443E8EF086}">
-      <p15:sldGuideLst xmlns:p15="http://schemas.microsoft.com/office/powerpoint/2012/main" xmlns="">
+      <p15:sldGuideLst xmlns="" xmlns:p15="http://schemas.microsoft.com/office/powerpoint/2012/main">
         <p15:guide id="1" orient="horz" pos="2160">
           <p15:clr>
             <a:srgbClr val="FBAE40"/>
@@ -3596,15 +3596,15 @@
             <a:pPr marL="914400" indent="-914400"/>
             <a:r>
               <a:rPr lang="en-US" dirty="0" smtClean="0"/>
-              <a:t>06 </a:t>
+              <a:t>06 | </a:t>
             </a:r>
             <a:r>
               <a:rPr lang="en-US" dirty="0" smtClean="0"/>
-              <a:t>| </a:t>
-            </a:r>
-            <a:r>
-              <a:rPr lang="en-US" dirty="0" smtClean="0"/>
-              <a:t>Deployment &amp; Conclusion</a:t>
+              <a:t>Deploying Your </a:t>
+            </a:r>
+            <a:r>
+              <a:rPr lang="en-US" smtClean="0"/>
+              <a:t>MEAN App</a:t>
             </a:r>
             <a:endParaRPr lang="en-US" dirty="0"/>
           </a:p>
@@ -3702,26 +3702,56 @@
           <a:p>
             <a:r>
               <a:rPr lang="en-GB" dirty="0" smtClean="0"/>
-              <a:t>MEAN Tools for Azure</a:t>
-            </a:r>
-          </a:p>
-          <a:p>
+              <a:t>Setting up </a:t>
+            </a:r>
+            <a:r>
+              <a:rPr lang="en-GB" dirty="0" err="1" smtClean="0"/>
+              <a:t>MongoDB</a:t>
+            </a:r>
             <a:r>
               <a:rPr lang="en-GB" dirty="0" smtClean="0"/>
-              <a:t>Configuring and Deploying</a:t>
-            </a:r>
+              <a:t> in the Cloud</a:t>
+            </a:r>
+          </a:p>
+          <a:p>
+            <a:endParaRPr lang="en-GB" dirty="0" smtClean="0"/>
           </a:p>
           <a:p>
             <a:r>
               <a:rPr lang="en-GB" dirty="0" smtClean="0"/>
-              <a:t>More Resources</a:t>
-            </a:r>
-          </a:p>
-          <a:p>
+              <a:t>Configuring and </a:t>
+            </a:r>
             <a:r>
               <a:rPr lang="en-GB" dirty="0" smtClean="0"/>
-              <a:t>Review and Conclusion</a:t>
-            </a:r>
+              <a:t>Deploying an Express App</a:t>
+            </a:r>
+          </a:p>
+          <a:p>
+            <a:endParaRPr lang="en-GB" dirty="0" smtClean="0"/>
+          </a:p>
+          <a:p>
+            <a:r>
+              <a:rPr lang="en-GB" dirty="0" smtClean="0"/>
+              <a:t>More </a:t>
+            </a:r>
+            <a:r>
+              <a:rPr lang="en-GB" dirty="0" smtClean="0"/>
+              <a:t>Resources</a:t>
+            </a:r>
+          </a:p>
+          <a:p>
+            <a:endParaRPr lang="en-GB" dirty="0" smtClean="0"/>
+          </a:p>
+          <a:p>
+            <a:r>
+              <a:rPr lang="en-GB" dirty="0" smtClean="0"/>
+              <a:t>Review and </a:t>
+            </a:r>
+            <a:r>
+              <a:rPr lang="en-GB" dirty="0" smtClean="0"/>
+              <a:t>Conclusion</a:t>
+            </a:r>
+            <a:endParaRPr lang="en-GB" dirty="0" smtClean="0"/>
           </a:p>
           <a:p>
             <a:endParaRPr lang="en-GB" dirty="0" smtClean="0"/>
@@ -4650,7 +4680,7 @@
   <a:extraClrSchemeLst/>
   <a:extLst>
     <a:ext uri="{05A4C25C-085E-4340-85A3-A5531E510DB2}">
-      <thm15:themeFamily xmlns:thm15="http://schemas.microsoft.com/office/thememl/2012/main" xmlns="" name="Office Theme" id="{62F939B6-93AF-4DB8-9C6B-D6C7DFDC589F}" vid="{4A3C46E8-61CC-4603-A589-7422A47A8E4A}"/>
+      <thm15:themeFamily xmlns="" xmlns:thm15="http://schemas.microsoft.com/office/thememl/2012/main" name="Office Theme" id="{62F939B6-93AF-4DB8-9C6B-D6C7DFDC589F}" vid="{4A3C46E8-61CC-4603-A589-7422A47A8E4A}"/>
     </a:ext>
   </a:extLst>
 </a:theme>
@@ -4911,7 +4941,7 @@
   <a:extraClrSchemeLst/>
   <a:extLst>
     <a:ext uri="{05A4C25C-085E-4340-85A3-A5531E510DB2}">
-      <thm15:themeFamily xmlns:thm15="http://schemas.microsoft.com/office/thememl/2012/main" xmlns="" name="Office Theme" id="{62F939B6-93AF-4DB8-9C6B-D6C7DFDC589F}" vid="{4A3C46E8-61CC-4603-A589-7422A47A8E4A}"/>
+      <thm15:themeFamily xmlns="" xmlns:thm15="http://schemas.microsoft.com/office/thememl/2012/main" name="Office Theme" id="{62F939B6-93AF-4DB8-9C6B-D6C7DFDC589F}" vid="{4A3C46E8-61CC-4603-A589-7422A47A8E4A}"/>
     </a:ext>
   </a:extLst>
 </a:theme>

--- a/slides/module6.pptx
+++ b/slides/module6.pptx
@@ -5,19 +5,22 @@
     <p:sldMasterId id="2147483660" r:id="rId4"/>
   </p:sldMasterIdLst>
   <p:notesMasterIdLst>
-    <p:notesMasterId r:id="rId12"/>
+    <p:notesMasterId r:id="rId15"/>
   </p:notesMasterIdLst>
   <p:handoutMasterIdLst>
-    <p:handoutMasterId r:id="rId13"/>
+    <p:handoutMasterId r:id="rId16"/>
   </p:handoutMasterIdLst>
   <p:sldIdLst>
     <p:sldId id="277" r:id="rId5"/>
     <p:sldId id="278" r:id="rId6"/>
     <p:sldId id="285" r:id="rId7"/>
-    <p:sldId id="292" r:id="rId8"/>
-    <p:sldId id="293" r:id="rId9"/>
-    <p:sldId id="295" r:id="rId10"/>
-    <p:sldId id="269" r:id="rId11"/>
+    <p:sldId id="296" r:id="rId8"/>
+    <p:sldId id="297" r:id="rId9"/>
+    <p:sldId id="292" r:id="rId10"/>
+    <p:sldId id="298" r:id="rId11"/>
+    <p:sldId id="295" r:id="rId12"/>
+    <p:sldId id="299" r:id="rId13"/>
+    <p:sldId id="269" r:id="rId14"/>
   </p:sldIdLst>
   <p:sldSz cx="12192000" cy="6858000"/>
   <p:notesSz cx="6858000" cy="9144000"/>
@@ -806,6 +809,98 @@
               <a:rPr lang="en-US" smtClean="0"/>
               <a:pPr/>
               <a:t>2</a:t>
+            </a:fld>
+            <a:endParaRPr lang="en-US" dirty="0"/>
+          </a:p>
+        </p:txBody>
+      </p:sp>
+    </p:spTree>
+    <p:extLst>
+      <p:ext uri="{BB962C8B-B14F-4D97-AF65-F5344CB8AC3E}">
+        <p14:creationId xmlns:p14="http://schemas.microsoft.com/office/powerpoint/2010/main" val="1542757562"/>
+      </p:ext>
+    </p:extLst>
+  </p:cSld>
+  <p:clrMapOvr>
+    <a:masterClrMapping/>
+  </p:clrMapOvr>
+</p:notes>
+</file>
+
+<file path=ppt/notesSlides/notesSlide3.xml><?xml version="1.0" encoding="utf-8"?>
+<p:notes xmlns:a="http://schemas.openxmlformats.org/drawingml/2006/main" xmlns:r="http://schemas.openxmlformats.org/officeDocument/2006/relationships" xmlns:p="http://schemas.openxmlformats.org/presentationml/2006/main">
+  <p:cSld>
+    <p:spTree>
+      <p:nvGrpSpPr>
+        <p:cNvPr id="1" name=""/>
+        <p:cNvGrpSpPr/>
+        <p:nvPr/>
+      </p:nvGrpSpPr>
+      <p:grpSpPr>
+        <a:xfrm>
+          <a:off x="0" y="0"/>
+          <a:ext cx="0" cy="0"/>
+          <a:chOff x="0" y="0"/>
+          <a:chExt cx="0" cy="0"/>
+        </a:xfrm>
+      </p:grpSpPr>
+      <p:sp>
+        <p:nvSpPr>
+          <p:cNvPr id="2" name="Slide Image Placeholder 1"/>
+          <p:cNvSpPr>
+            <a:spLocks noGrp="1" noRot="1" noChangeAspect="1"/>
+          </p:cNvSpPr>
+          <p:nvPr>
+            <p:ph type="sldImg"/>
+          </p:nvPr>
+        </p:nvSpPr>
+        <p:spPr/>
+      </p:sp>
+      <p:sp>
+        <p:nvSpPr>
+          <p:cNvPr id="3" name="Notes Placeholder 2"/>
+          <p:cNvSpPr>
+            <a:spLocks noGrp="1"/>
+          </p:cNvSpPr>
+          <p:nvPr>
+            <p:ph type="body" idx="1"/>
+          </p:nvPr>
+        </p:nvSpPr>
+        <p:spPr/>
+        <p:txBody>
+          <a:bodyPr>
+            <a:noAutofit/>
+          </a:bodyPr>
+          <a:lstStyle/>
+          <a:p>
+            <a:endParaRPr lang="en-GB" dirty="0">
+              <a:solidFill>
+                <a:schemeClr val="tx2"/>
+              </a:solidFill>
+              <a:latin typeface="Segoe" pitchFamily="34" charset="0"/>
+            </a:endParaRPr>
+          </a:p>
+        </p:txBody>
+      </p:sp>
+      <p:sp>
+        <p:nvSpPr>
+          <p:cNvPr id="4" name="Slide Number Placeholder 3"/>
+          <p:cNvSpPr>
+            <a:spLocks noGrp="1"/>
+          </p:cNvSpPr>
+          <p:nvPr>
+            <p:ph type="sldNum" sz="quarter" idx="10"/>
+          </p:nvPr>
+        </p:nvSpPr>
+        <p:spPr/>
+        <p:txBody>
+          <a:bodyPr/>
+          <a:lstStyle/>
+          <a:p>
+            <a:fld id="{13F0F35F-DD44-4607-AEC1-49D7A4BC4066}" type="slidenum">
+              <a:rPr lang="en-US" smtClean="0"/>
+              <a:pPr/>
+              <a:t>4</a:t>
             </a:fld>
             <a:endParaRPr lang="en-US" dirty="0"/>
           </a:p>
@@ -3600,11 +3695,7 @@
             </a:r>
             <a:r>
               <a:rPr lang="en-US" dirty="0" smtClean="0"/>
-              <a:t>Deploying Your </a:t>
-            </a:r>
-            <a:r>
-              <a:rPr lang="en-US" smtClean="0"/>
-              <a:t>MEAN App</a:t>
+              <a:t>Deploying Your MEAN App</a:t>
             </a:r>
             <a:endParaRPr lang="en-US" dirty="0"/>
           </a:p>
@@ -3666,6 +3757,36 @@
 </p:sld>
 </file>
 
+<file path=ppt/slides/slide10.xml><?xml version="1.0" encoding="utf-8"?>
+<p:sld xmlns:a="http://schemas.openxmlformats.org/drawingml/2006/main" xmlns:r="http://schemas.openxmlformats.org/officeDocument/2006/relationships" xmlns:p="http://schemas.openxmlformats.org/presentationml/2006/main">
+  <p:cSld>
+    <p:spTree>
+      <p:nvGrpSpPr>
+        <p:cNvPr id="1" name=""/>
+        <p:cNvGrpSpPr/>
+        <p:nvPr/>
+      </p:nvGrpSpPr>
+      <p:grpSpPr>
+        <a:xfrm>
+          <a:off x="0" y="0"/>
+          <a:ext cx="0" cy="0"/>
+          <a:chOff x="0" y="0"/>
+          <a:chExt cx="0" cy="0"/>
+        </a:xfrm>
+      </p:grpSpPr>
+    </p:spTree>
+    <p:extLst>
+      <p:ext uri="{BB962C8B-B14F-4D97-AF65-F5344CB8AC3E}">
+        <p14:creationId xmlns:p14="http://schemas.microsoft.com/office/powerpoint/2010/main" val="898363405"/>
+      </p:ext>
+    </p:extLst>
+  </p:cSld>
+  <p:clrMapOvr>
+    <a:masterClrMapping/>
+  </p:clrMapOvr>
+</p:sld>
+</file>
+
 <file path=ppt/slides/slide2.xml><?xml version="1.0" encoding="utf-8"?>
 <p:sld xmlns:a="http://schemas.openxmlformats.org/drawingml/2006/main" xmlns:r="http://schemas.openxmlformats.org/officeDocument/2006/relationships" xmlns:p="http://schemas.openxmlformats.org/presentationml/2006/main">
   <p:cSld>
@@ -3717,9 +3838,16 @@
             <a:endParaRPr lang="en-GB" dirty="0" smtClean="0"/>
           </a:p>
           <a:p>
+            <a:endParaRPr lang="en-GB" dirty="0" smtClean="0"/>
+          </a:p>
+          <a:p>
             <a:r>
               <a:rPr lang="en-GB" dirty="0" smtClean="0"/>
-              <a:t>Configuring and </a:t>
+              <a:t>Configuring </a:t>
+            </a:r>
+            <a:r>
+              <a:rPr lang="en-GB" dirty="0" smtClean="0"/>
+              <a:t>and </a:t>
             </a:r>
             <a:r>
               <a:rPr lang="en-GB" dirty="0" smtClean="0"/>
@@ -3730,28 +3858,13 @@
             <a:endParaRPr lang="en-GB" dirty="0" smtClean="0"/>
           </a:p>
           <a:p>
+            <a:endParaRPr lang="en-GB" dirty="0" smtClean="0"/>
+          </a:p>
+          <a:p>
             <a:r>
               <a:rPr lang="en-GB" dirty="0" smtClean="0"/>
-              <a:t>More </a:t>
-            </a:r>
-            <a:r>
-              <a:rPr lang="en-GB" dirty="0" smtClean="0"/>
-              <a:t>Resources</a:t>
-            </a:r>
-          </a:p>
-          <a:p>
-            <a:endParaRPr lang="en-GB" dirty="0" smtClean="0"/>
-          </a:p>
-          <a:p>
-            <a:r>
-              <a:rPr lang="en-GB" dirty="0" smtClean="0"/>
-              <a:t>Review and </a:t>
-            </a:r>
-            <a:r>
-              <a:rPr lang="en-GB" dirty="0" smtClean="0"/>
-              <a:t>Conclusion</a:t>
-            </a:r>
-            <a:endParaRPr lang="en-GB" dirty="0" smtClean="0"/>
+              <a:t>Other Great MEAN Tools</a:t>
+            </a:r>
           </a:p>
           <a:p>
             <a:endParaRPr lang="en-GB" dirty="0" smtClean="0"/>
@@ -3856,7 +3969,15 @@
           <a:p>
             <a:r>
               <a:rPr lang="en-US" dirty="0" smtClean="0"/>
-              <a:t>MEAN Tools for Azure</a:t>
+              <a:t>Setting up </a:t>
+            </a:r>
+            <a:r>
+              <a:rPr lang="en-US" dirty="0" err="1" smtClean="0"/>
+              <a:t>MongoDB</a:t>
+            </a:r>
+            <a:r>
+              <a:rPr lang="en-US" dirty="0" smtClean="0"/>
+              <a:t> in the Cloud</a:t>
             </a:r>
             <a:endParaRPr lang="en-US" dirty="0"/>
           </a:p>
@@ -3913,35 +4034,120 @@
       </p:grpSpPr>
       <p:sp>
         <p:nvSpPr>
-          <p:cNvPr id="5" name="Text Placeholder 4"/>
+          <p:cNvPr id="7" name="Content Placeholder 6"/>
           <p:cNvSpPr>
             <a:spLocks noGrp="1"/>
           </p:cNvSpPr>
           <p:nvPr>
-            <p:ph type="body" sz="quarter" idx="10"/>
+            <p:ph sz="quarter" idx="10"/>
           </p:nvPr>
         </p:nvSpPr>
         <p:spPr/>
         <p:txBody>
-          <a:bodyPr/>
+          <a:bodyPr>
+            <a:normAutofit/>
+          </a:bodyPr>
           <a:lstStyle/>
           <a:p>
             <a:r>
-              <a:rPr lang="en-US" dirty="0" smtClean="0"/>
-              <a:t>Configuring and Deploying</a:t>
-            </a:r>
-            <a:endParaRPr lang="en-US" dirty="0"/>
-          </a:p>
-        </p:txBody>
-      </p:sp>
-      <p:sp>
-        <p:nvSpPr>
-          <p:cNvPr id="4" name="Subtitle 3"/>
+              <a:rPr lang="en-GB" dirty="0" err="1" smtClean="0"/>
+              <a:t>Standup</a:t>
+            </a:r>
+            <a:r>
+              <a:rPr lang="en-GB" dirty="0" smtClean="0"/>
+              <a:t> your own </a:t>
+            </a:r>
+            <a:r>
+              <a:rPr lang="en-GB" dirty="0" err="1" smtClean="0"/>
+              <a:t>MongoDB</a:t>
+            </a:r>
+            <a:r>
+              <a:rPr lang="en-GB" dirty="0" smtClean="0"/>
+              <a:t> server via VMs (</a:t>
+            </a:r>
+            <a:r>
+              <a:rPr lang="en-GB" dirty="0" err="1" smtClean="0"/>
+              <a:t>IaaS</a:t>
+            </a:r>
+            <a:r>
+              <a:rPr lang="en-GB" dirty="0" smtClean="0"/>
+              <a:t>)</a:t>
+            </a:r>
+          </a:p>
+          <a:p>
+            <a:endParaRPr lang="en-GB" dirty="0"/>
+          </a:p>
+          <a:p>
+            <a:endParaRPr lang="en-GB" dirty="0" smtClean="0"/>
+          </a:p>
+          <a:p>
+            <a:endParaRPr lang="en-GB" dirty="0" smtClean="0"/>
+          </a:p>
+          <a:p>
+            <a:r>
+              <a:rPr lang="en-GB" dirty="0" smtClean="0"/>
+              <a:t>Use a service such </a:t>
+            </a:r>
+            <a:r>
+              <a:rPr lang="en-GB" dirty="0" err="1" smtClean="0"/>
+              <a:t>MongoLab</a:t>
+            </a:r>
+            <a:r>
+              <a:rPr lang="en-GB" dirty="0" smtClean="0"/>
+              <a:t> which provides fully managed </a:t>
+            </a:r>
+            <a:r>
+              <a:rPr lang="en-GB" dirty="0" err="1" smtClean="0"/>
+              <a:t>MongoDB</a:t>
+            </a:r>
+            <a:r>
+              <a:rPr lang="en-GB" dirty="0" smtClean="0"/>
+              <a:t> database (</a:t>
+            </a:r>
+            <a:r>
+              <a:rPr lang="en-GB" dirty="0" err="1" smtClean="0"/>
+              <a:t>PaaS</a:t>
+            </a:r>
+            <a:r>
+              <a:rPr lang="en-GB" dirty="0" smtClean="0"/>
+              <a:t>)</a:t>
+            </a:r>
+            <a:endParaRPr lang="en-GB" dirty="0" smtClean="0"/>
+          </a:p>
+          <a:p>
+            <a:endParaRPr lang="en-GB" dirty="0" smtClean="0"/>
+          </a:p>
+          <a:p>
+            <a:endParaRPr lang="en-GB" dirty="0" smtClean="0"/>
+          </a:p>
+          <a:p>
+            <a:endParaRPr lang="en-GB" dirty="0" smtClean="0"/>
+          </a:p>
+          <a:p>
+            <a:endParaRPr lang="en-GB" dirty="0" smtClean="0"/>
+          </a:p>
+          <a:p>
+            <a:endParaRPr lang="en-GB" dirty="0" smtClean="0"/>
+          </a:p>
+          <a:p>
+            <a:endParaRPr lang="en-GB" dirty="0" smtClean="0"/>
+          </a:p>
+          <a:p>
+            <a:pPr marL="0" indent="0">
+              <a:buNone/>
+            </a:pPr>
+            <a:endParaRPr lang="en-GB" dirty="0" smtClean="0"/>
+          </a:p>
+        </p:txBody>
+      </p:sp>
+      <p:sp>
+        <p:nvSpPr>
+          <p:cNvPr id="2" name="Title 1"/>
           <p:cNvSpPr>
             <a:spLocks noGrp="1"/>
           </p:cNvSpPr>
           <p:nvPr>
-            <p:ph type="subTitle" idx="1"/>
+            <p:ph type="title"/>
           </p:nvPr>
         </p:nvSpPr>
         <p:spPr/>
@@ -3949,6 +4155,18 @@
           <a:bodyPr/>
           <a:lstStyle/>
           <a:p>
+            <a:r>
+              <a:rPr lang="en-US" dirty="0" smtClean="0"/>
+              <a:t>Setting up </a:t>
+            </a:r>
+            <a:r>
+              <a:rPr lang="en-US" dirty="0" err="1" smtClean="0"/>
+              <a:t>MongoDB</a:t>
+            </a:r>
+            <a:r>
+              <a:rPr lang="en-US" dirty="0" smtClean="0"/>
+              <a:t> in the Cloud</a:t>
+            </a:r>
             <a:endParaRPr lang="en-US" dirty="0"/>
           </a:p>
         </p:txBody>
@@ -3956,13 +4174,20 @@
     </p:spTree>
     <p:extLst>
       <p:ext uri="{BB962C8B-B14F-4D97-AF65-F5344CB8AC3E}">
-        <p14:creationId xmlns:p14="http://schemas.microsoft.com/office/powerpoint/2010/main" val="3414015979"/>
+        <p14:creationId xmlns:p14="http://schemas.microsoft.com/office/powerpoint/2010/main" val="1233625559"/>
       </p:ext>
     </p:extLst>
   </p:cSld>
   <p:clrMapOvr>
     <a:masterClrMapping/>
   </p:clrMapOvr>
+  <p:timing>
+    <p:tnLst>
+      <p:par>
+        <p:cTn xmlns:p14="http://schemas.microsoft.com/office/powerpoint/2010/main" id="1" dur="indefinite" restart="never" nodeType="tmRoot"/>
+      </p:par>
+    </p:tnLst>
+  </p:timing>
 </p:sld>
 </file>
 
@@ -3985,12 +4210,12 @@
       </p:grpSpPr>
       <p:sp>
         <p:nvSpPr>
-          <p:cNvPr id="2" name="Text Placeholder 1"/>
+          <p:cNvPr id="2" name="Title 1"/>
           <p:cNvSpPr>
             <a:spLocks noGrp="1"/>
           </p:cNvSpPr>
           <p:nvPr>
-            <p:ph type="body" sz="quarter" idx="10"/>
+            <p:ph type="title"/>
           </p:nvPr>
         </p:nvSpPr>
         <p:spPr/>
@@ -4000,7 +4225,15 @@
           <a:p>
             <a:r>
               <a:rPr lang="en-US" dirty="0" smtClean="0"/>
-              <a:t>More Resources</a:t>
+              <a:t>Setting up </a:t>
+            </a:r>
+            <a:r>
+              <a:rPr lang="en-US" dirty="0" err="1" smtClean="0"/>
+              <a:t>MongoLab</a:t>
+            </a:r>
+            <a:r>
+              <a:rPr lang="en-US" dirty="0" smtClean="0"/>
+              <a:t> Database</a:t>
             </a:r>
             <a:endParaRPr lang="en-US" dirty="0"/>
           </a:p>
@@ -4008,12 +4241,12 @@
       </p:sp>
       <p:sp>
         <p:nvSpPr>
-          <p:cNvPr id="3" name="Subtitle 2"/>
+          <p:cNvPr id="3" name="Content Placeholder 2"/>
           <p:cNvSpPr>
             <a:spLocks noGrp="1"/>
           </p:cNvSpPr>
           <p:nvPr>
-            <p:ph type="subTitle" idx="1"/>
+            <p:ph sz="quarter" idx="10"/>
           </p:nvPr>
         </p:nvSpPr>
         <p:spPr/>
@@ -4021,14 +4254,47 @@
           <a:bodyPr/>
           <a:lstStyle/>
           <a:p>
-            <a:endParaRPr lang="en-US"/>
+            <a:r>
+              <a:rPr lang="en-US" dirty="0" smtClean="0"/>
+              <a:t>Allows for fully managed database</a:t>
+            </a:r>
+          </a:p>
+          <a:p>
+            <a:endParaRPr lang="en-US" dirty="0"/>
+          </a:p>
+          <a:p>
+            <a:endParaRPr lang="en-US" dirty="0" smtClean="0"/>
+          </a:p>
+          <a:p>
+            <a:r>
+              <a:rPr lang="en-US" dirty="0" smtClean="0"/>
+              <a:t>No need to worry about updating/patching </a:t>
+            </a:r>
+            <a:r>
+              <a:rPr lang="en-US" dirty="0" err="1" smtClean="0"/>
+              <a:t>MongoDb</a:t>
+            </a:r>
+            <a:endParaRPr lang="en-US" dirty="0" smtClean="0"/>
+          </a:p>
+          <a:p>
+            <a:endParaRPr lang="en-US" dirty="0"/>
+          </a:p>
+          <a:p>
+            <a:endParaRPr lang="en-US" dirty="0" smtClean="0"/>
+          </a:p>
+          <a:p>
+            <a:r>
+              <a:rPr lang="en-US" dirty="0" smtClean="0"/>
+              <a:t>Scaling and backups handled for you</a:t>
+            </a:r>
+            <a:endParaRPr lang="en-US" dirty="0"/>
           </a:p>
         </p:txBody>
       </p:sp>
     </p:spTree>
     <p:extLst>
       <p:ext uri="{BB962C8B-B14F-4D97-AF65-F5344CB8AC3E}">
-        <p14:creationId xmlns:p14="http://schemas.microsoft.com/office/powerpoint/2010/main" val="95024112"/>
+        <p14:creationId xmlns:p14="http://schemas.microsoft.com/office/powerpoint/2010/main" val="242216515"/>
       </p:ext>
     </p:extLst>
   </p:cSld>
@@ -4057,7 +4323,7 @@
       </p:grpSpPr>
       <p:sp>
         <p:nvSpPr>
-          <p:cNvPr id="2" name="Text Placeholder 1"/>
+          <p:cNvPr id="5" name="Text Placeholder 4"/>
           <p:cNvSpPr>
             <a:spLocks noGrp="1"/>
           </p:cNvSpPr>
@@ -4072,7 +4338,7 @@
           <a:p>
             <a:r>
               <a:rPr lang="en-US" dirty="0" smtClean="0"/>
-              <a:t>Review and Conclusion</a:t>
+              <a:t>Configuring and Deploying</a:t>
             </a:r>
             <a:endParaRPr lang="en-US" dirty="0"/>
           </a:p>
@@ -4080,7 +4346,7 @@
       </p:sp>
       <p:sp>
         <p:nvSpPr>
-          <p:cNvPr id="3" name="Subtitle 2"/>
+          <p:cNvPr id="4" name="Subtitle 3"/>
           <p:cNvSpPr>
             <a:spLocks noGrp="1"/>
           </p:cNvSpPr>
@@ -4093,14 +4359,14 @@
           <a:bodyPr/>
           <a:lstStyle/>
           <a:p>
-            <a:endParaRPr lang="en-US"/>
+            <a:endParaRPr lang="en-US" dirty="0"/>
           </a:p>
         </p:txBody>
       </p:sp>
     </p:spTree>
     <p:extLst>
       <p:ext uri="{BB962C8B-B14F-4D97-AF65-F5344CB8AC3E}">
-        <p14:creationId xmlns:p14="http://schemas.microsoft.com/office/powerpoint/2010/main" val="3710274791"/>
+        <p14:creationId xmlns:p14="http://schemas.microsoft.com/office/powerpoint/2010/main" val="3414015979"/>
       </p:ext>
     </p:extLst>
   </p:cSld>
@@ -4127,10 +4393,294 @@
           <a:chExt cx="0" cy="0"/>
         </a:xfrm>
       </p:grpSpPr>
+      <p:sp>
+        <p:nvSpPr>
+          <p:cNvPr id="2" name="Title 1"/>
+          <p:cNvSpPr>
+            <a:spLocks noGrp="1"/>
+          </p:cNvSpPr>
+          <p:nvPr>
+            <p:ph type="title"/>
+          </p:nvPr>
+        </p:nvSpPr>
+        <p:spPr/>
+        <p:txBody>
+          <a:bodyPr/>
+          <a:lstStyle/>
+          <a:p>
+            <a:r>
+              <a:rPr lang="en-US" dirty="0" smtClean="0"/>
+              <a:t>Deploying Your MEAN App</a:t>
+            </a:r>
+            <a:endParaRPr lang="en-US" dirty="0"/>
+          </a:p>
+        </p:txBody>
+      </p:sp>
+      <p:sp>
+        <p:nvSpPr>
+          <p:cNvPr id="3" name="Content Placeholder 2"/>
+          <p:cNvSpPr>
+            <a:spLocks noGrp="1"/>
+          </p:cNvSpPr>
+          <p:nvPr>
+            <p:ph sz="quarter" idx="10"/>
+          </p:nvPr>
+        </p:nvSpPr>
+        <p:spPr/>
+        <p:txBody>
+          <a:bodyPr/>
+          <a:lstStyle/>
+          <a:p>
+            <a:r>
+              <a:rPr lang="en-US" dirty="0" smtClean="0"/>
+              <a:t>Creating an Azure Website</a:t>
+            </a:r>
+          </a:p>
+          <a:p>
+            <a:endParaRPr lang="en-US" dirty="0"/>
+          </a:p>
+          <a:p>
+            <a:endParaRPr lang="en-US" dirty="0" smtClean="0"/>
+          </a:p>
+          <a:p>
+            <a:r>
+              <a:rPr lang="en-US" dirty="0" smtClean="0"/>
+              <a:t>Using </a:t>
+            </a:r>
+            <a:r>
+              <a:rPr lang="en-US" dirty="0" err="1" smtClean="0"/>
+              <a:t>git</a:t>
+            </a:r>
+            <a:r>
+              <a:rPr lang="en-US" dirty="0" smtClean="0"/>
+              <a:t> deploy for Continuous Delivery</a:t>
+            </a:r>
+          </a:p>
+          <a:p>
+            <a:endParaRPr lang="en-US" dirty="0"/>
+          </a:p>
+          <a:p>
+            <a:endParaRPr lang="en-US" dirty="0" smtClean="0"/>
+          </a:p>
+          <a:p>
+            <a:r>
+              <a:rPr lang="en-US" smtClean="0"/>
+              <a:t>Configuring environment variables </a:t>
+            </a:r>
+            <a:r>
+              <a:rPr lang="en-US" dirty="0" smtClean="0"/>
+              <a:t>for your app</a:t>
+            </a:r>
+            <a:endParaRPr lang="en-US" dirty="0"/>
+          </a:p>
+        </p:txBody>
+      </p:sp>
     </p:spTree>
     <p:extLst>
       <p:ext uri="{BB962C8B-B14F-4D97-AF65-F5344CB8AC3E}">
-        <p14:creationId xmlns:p14="http://schemas.microsoft.com/office/powerpoint/2010/main" val="898363405"/>
+        <p14:creationId xmlns:p14="http://schemas.microsoft.com/office/powerpoint/2010/main" val="1779591547"/>
+      </p:ext>
+    </p:extLst>
+  </p:cSld>
+  <p:clrMapOvr>
+    <a:masterClrMapping/>
+  </p:clrMapOvr>
+</p:sld>
+</file>
+
+<file path=ppt/slides/slide8.xml><?xml version="1.0" encoding="utf-8"?>
+<p:sld xmlns:a="http://schemas.openxmlformats.org/drawingml/2006/main" xmlns:r="http://schemas.openxmlformats.org/officeDocument/2006/relationships" xmlns:p="http://schemas.openxmlformats.org/presentationml/2006/main">
+  <p:cSld>
+    <p:spTree>
+      <p:nvGrpSpPr>
+        <p:cNvPr id="1" name=""/>
+        <p:cNvGrpSpPr/>
+        <p:nvPr/>
+      </p:nvGrpSpPr>
+      <p:grpSpPr>
+        <a:xfrm>
+          <a:off x="0" y="0"/>
+          <a:ext cx="0" cy="0"/>
+          <a:chOff x="0" y="0"/>
+          <a:chExt cx="0" cy="0"/>
+        </a:xfrm>
+      </p:grpSpPr>
+      <p:sp>
+        <p:nvSpPr>
+          <p:cNvPr id="2" name="Text Placeholder 1"/>
+          <p:cNvSpPr>
+            <a:spLocks noGrp="1"/>
+          </p:cNvSpPr>
+          <p:nvPr>
+            <p:ph type="body" sz="quarter" idx="10"/>
+          </p:nvPr>
+        </p:nvSpPr>
+        <p:spPr/>
+        <p:txBody>
+          <a:bodyPr/>
+          <a:lstStyle/>
+          <a:p>
+            <a:r>
+              <a:rPr lang="en-US" dirty="0" smtClean="0"/>
+              <a:t>Review and Conclusion</a:t>
+            </a:r>
+            <a:endParaRPr lang="en-US" dirty="0"/>
+          </a:p>
+        </p:txBody>
+      </p:sp>
+      <p:sp>
+        <p:nvSpPr>
+          <p:cNvPr id="3" name="Subtitle 2"/>
+          <p:cNvSpPr>
+            <a:spLocks noGrp="1"/>
+          </p:cNvSpPr>
+          <p:nvPr>
+            <p:ph type="subTitle" idx="1"/>
+          </p:nvPr>
+        </p:nvSpPr>
+        <p:spPr/>
+        <p:txBody>
+          <a:bodyPr/>
+          <a:lstStyle/>
+          <a:p>
+            <a:endParaRPr lang="en-US"/>
+          </a:p>
+        </p:txBody>
+      </p:sp>
+    </p:spTree>
+    <p:extLst>
+      <p:ext uri="{BB962C8B-B14F-4D97-AF65-F5344CB8AC3E}">
+        <p14:creationId xmlns:p14="http://schemas.microsoft.com/office/powerpoint/2010/main" val="3710274791"/>
+      </p:ext>
+    </p:extLst>
+  </p:cSld>
+  <p:clrMapOvr>
+    <a:masterClrMapping/>
+  </p:clrMapOvr>
+</p:sld>
+</file>
+
+<file path=ppt/slides/slide9.xml><?xml version="1.0" encoding="utf-8"?>
+<p:sld xmlns:a="http://schemas.openxmlformats.org/drawingml/2006/main" xmlns:r="http://schemas.openxmlformats.org/officeDocument/2006/relationships" xmlns:p="http://schemas.openxmlformats.org/presentationml/2006/main">
+  <p:cSld>
+    <p:spTree>
+      <p:nvGrpSpPr>
+        <p:cNvPr id="1" name=""/>
+        <p:cNvGrpSpPr/>
+        <p:nvPr/>
+      </p:nvGrpSpPr>
+      <p:grpSpPr>
+        <a:xfrm>
+          <a:off x="0" y="0"/>
+          <a:ext cx="0" cy="0"/>
+          <a:chOff x="0" y="0"/>
+          <a:chExt cx="0" cy="0"/>
+        </a:xfrm>
+      </p:grpSpPr>
+      <p:sp>
+        <p:nvSpPr>
+          <p:cNvPr id="2" name="Title 1"/>
+          <p:cNvSpPr>
+            <a:spLocks noGrp="1"/>
+          </p:cNvSpPr>
+          <p:nvPr>
+            <p:ph type="title"/>
+          </p:nvPr>
+        </p:nvSpPr>
+        <p:spPr/>
+        <p:txBody>
+          <a:bodyPr/>
+          <a:lstStyle/>
+          <a:p>
+            <a:r>
+              <a:rPr lang="en-US" dirty="0" smtClean="0"/>
+              <a:t>Other Great MEAN Tools</a:t>
+            </a:r>
+            <a:endParaRPr lang="en-US" dirty="0"/>
+          </a:p>
+        </p:txBody>
+      </p:sp>
+      <p:sp>
+        <p:nvSpPr>
+          <p:cNvPr id="3" name="Content Placeholder 2"/>
+          <p:cNvSpPr>
+            <a:spLocks noGrp="1"/>
+          </p:cNvSpPr>
+          <p:nvPr>
+            <p:ph sz="quarter" idx="10"/>
+          </p:nvPr>
+        </p:nvSpPr>
+        <p:spPr>
+          <a:xfrm>
+            <a:off x="269664" y="1153028"/>
+            <a:ext cx="11525250" cy="5290388"/>
+          </a:xfrm>
+        </p:spPr>
+        <p:txBody>
+          <a:bodyPr/>
+          <a:lstStyle/>
+          <a:p>
+            <a:pPr marL="0" indent="0">
+              <a:buNone/>
+            </a:pPr>
+            <a:endParaRPr lang="en-US" dirty="0" smtClean="0"/>
+          </a:p>
+          <a:p>
+            <a:r>
+              <a:rPr lang="en-US" dirty="0" smtClean="0"/>
+              <a:t>Yeoman Generator</a:t>
+            </a:r>
+          </a:p>
+          <a:p>
+            <a:pPr marL="0" indent="0">
+              <a:buNone/>
+            </a:pPr>
+            <a:endParaRPr lang="en-US" dirty="0"/>
+          </a:p>
+          <a:p>
+            <a:r>
+              <a:rPr lang="en-US" dirty="0" smtClean="0"/>
+              <a:t>Grunt</a:t>
+            </a:r>
+          </a:p>
+          <a:p>
+            <a:endParaRPr lang="en-US" dirty="0" smtClean="0"/>
+          </a:p>
+          <a:p>
+            <a:r>
+              <a:rPr lang="en-US" dirty="0" smtClean="0"/>
+              <a:t>Bootstrap</a:t>
+            </a:r>
+          </a:p>
+          <a:p>
+            <a:endParaRPr lang="en-US" dirty="0"/>
+          </a:p>
+          <a:p>
+            <a:r>
+              <a:rPr lang="en-US" dirty="0" smtClean="0"/>
+              <a:t>Mocha &amp; </a:t>
+            </a:r>
+            <a:r>
+              <a:rPr lang="en-US" dirty="0" err="1" smtClean="0"/>
+              <a:t>Protractor.js</a:t>
+            </a:r>
+            <a:endParaRPr lang="en-US" dirty="0"/>
+          </a:p>
+          <a:p>
+            <a:endParaRPr lang="en-US" dirty="0"/>
+          </a:p>
+          <a:p>
+            <a:endParaRPr lang="en-US" dirty="0" smtClean="0"/>
+          </a:p>
+          <a:p>
+            <a:endParaRPr lang="en-US" dirty="0" smtClean="0"/>
+          </a:p>
+        </p:txBody>
+      </p:sp>
+    </p:spTree>
+    <p:extLst>
+      <p:ext uri="{BB962C8B-B14F-4D97-AF65-F5344CB8AC3E}">
+        <p14:creationId xmlns:p14="http://schemas.microsoft.com/office/powerpoint/2010/main" val="1869215737"/>
       </p:ext>
     </p:extLst>
   </p:cSld>
